--- a/apresentação.pptx
+++ b/apresentação.pptx
@@ -5,37 +5,38 @@
     <p:sldMasterId id="2147483658" r:id="rId1"/>
   </p:sldMasterIdLst>
   <p:notesMasterIdLst>
-    <p:notesMasterId r:id="rId6"/>
+    <p:notesMasterId r:id="rId7"/>
   </p:notesMasterIdLst>
   <p:sldIdLst>
     <p:sldId id="256" r:id="rId2"/>
     <p:sldId id="257" r:id="rId3"/>
-    <p:sldId id="258" r:id="rId4"/>
-    <p:sldId id="283" r:id="rId5"/>
+    <p:sldId id="284" r:id="rId4"/>
+    <p:sldId id="258" r:id="rId5"/>
+    <p:sldId id="283" r:id="rId6"/>
   </p:sldIdLst>
   <p:sldSz cx="9144000" cy="5143500" type="screen16x9"/>
   <p:notesSz cx="6858000" cy="9144000"/>
   <p:embeddedFontLst>
     <p:embeddedFont>
       <p:font typeface="Barlow" panose="00000500000000000000" pitchFamily="2" charset="0"/>
-      <p:regular r:id="rId7"/>
-      <p:bold r:id="rId8"/>
-      <p:italic r:id="rId9"/>
-      <p:boldItalic r:id="rId10"/>
+      <p:regular r:id="rId8"/>
+      <p:bold r:id="rId9"/>
+      <p:italic r:id="rId10"/>
+      <p:boldItalic r:id="rId11"/>
     </p:embeddedFont>
     <p:embeddedFont>
       <p:font typeface="Calibri" panose="020F0502020204030204" pitchFamily="34" charset="0"/>
-      <p:regular r:id="rId11"/>
-      <p:bold r:id="rId12"/>
-      <p:italic r:id="rId13"/>
-      <p:boldItalic r:id="rId14"/>
+      <p:regular r:id="rId12"/>
+      <p:bold r:id="rId13"/>
+      <p:italic r:id="rId14"/>
+      <p:boldItalic r:id="rId15"/>
     </p:embeddedFont>
     <p:embeddedFont>
       <p:font typeface="Georgia" panose="02040502050405020303" pitchFamily="18" charset="0"/>
-      <p:regular r:id="rId15"/>
-      <p:bold r:id="rId16"/>
-      <p:italic r:id="rId17"/>
-      <p:boldItalic r:id="rId18"/>
+      <p:regular r:id="rId16"/>
+      <p:bold r:id="rId17"/>
+      <p:italic r:id="rId18"/>
+      <p:boldItalic r:id="rId19"/>
     </p:embeddedFont>
   </p:embeddedFontLst>
   <p:defaultTextStyle>
@@ -267,6 +268,11 @@
       </a:defRPr>
     </a:lvl9pPr>
   </p:defaultTextStyle>
+  <p:extLst>
+    <p:ext uri="{EFAFB233-063F-42B5-8137-9DF3F51BA10A}">
+      <p15:sldGuideLst xmlns:p15="http://schemas.microsoft.com/office/powerpoint/2012/main"/>
+    </p:ext>
+  </p:extLst>
 </p:presentation>
 </file>
 
@@ -4563,10 +4569,6 @@
           </p:nvPr>
         </p:nvSpPr>
         <p:spPr>
-          <a:xfrm>
-            <a:off x="516600" y="514350"/>
-            <a:ext cx="6480000" cy="717900"/>
-          </a:xfrm>
           <a:prstGeom prst="rect">
             <a:avLst/>
           </a:prstGeom>
@@ -4596,54 +4598,12 @@
       </p:sp>
       <p:sp>
         <p:nvSpPr>
-          <p:cNvPr id="69" name="Google Shape;69;p13"/>
-          <p:cNvSpPr txBox="1">
-            <a:spLocks noGrp="1"/>
-          </p:cNvSpPr>
-          <p:nvPr>
-            <p:ph type="sldNum" idx="12"/>
-          </p:nvPr>
-        </p:nvSpPr>
-        <p:spPr>
-          <a:xfrm>
-            <a:off x="8376075" y="4749850"/>
-            <a:ext cx="548700" cy="181800"/>
-          </a:xfrm>
-          <a:prstGeom prst="rect">
-            <a:avLst/>
-          </a:prstGeom>
-        </p:spPr>
-        <p:txBody>
-          <a:bodyPr spcFirstLastPara="1" wrap="square" lIns="0" tIns="0" rIns="0" bIns="0" anchor="ctr" anchorCtr="0">
-            <a:noAutofit/>
-          </a:bodyPr>
-          <a:lstStyle/>
-          <a:p>
-            <a:pPr marL="0" lvl="0" indent="0" algn="r" rtl="0">
-              <a:spcBef>
-                <a:spcPts val="0"/>
-              </a:spcBef>
-              <a:spcAft>
-                <a:spcPts val="0"/>
-              </a:spcAft>
-              <a:buNone/>
-            </a:pPr>
-            <a:fld id="{00000000-1234-1234-1234-123412341234}" type="slidenum">
-              <a:rPr lang="en"/>
-              <a:t>2</a:t>
-            </a:fld>
-            <a:endParaRPr/>
-          </a:p>
-        </p:txBody>
-      </p:sp>
-      <p:sp>
-        <p:nvSpPr>
           <p:cNvPr id="73" name="Google Shape;73;p13"/>
           <p:cNvSpPr txBox="1">
             <a:spLocks noGrp="1"/>
           </p:cNvSpPr>
           <p:nvPr>
-            <p:ph type="body" idx="2"/>
+            <p:ph type="body" idx="1"/>
           </p:nvPr>
         </p:nvSpPr>
         <p:spPr>
@@ -4678,6 +4638,44 @@
               </a:rPr>
               <a:t>O nosso site vai ajudar pessoas a se conectarem a empresas com visão no futuro, dando oportunidades para novos profissionais recém formados que estão ingressando no mercado de trabalho.</a:t>
             </a:r>
+          </a:p>
+        </p:txBody>
+      </p:sp>
+      <p:sp>
+        <p:nvSpPr>
+          <p:cNvPr id="69" name="Google Shape;69;p13"/>
+          <p:cNvSpPr txBox="1">
+            <a:spLocks noGrp="1"/>
+          </p:cNvSpPr>
+          <p:nvPr>
+            <p:ph type="sldNum" idx="12"/>
+          </p:nvPr>
+        </p:nvSpPr>
+        <p:spPr>
+          <a:prstGeom prst="rect">
+            <a:avLst/>
+          </a:prstGeom>
+        </p:spPr>
+        <p:txBody>
+          <a:bodyPr spcFirstLastPara="1" wrap="square" lIns="0" tIns="0" rIns="0" bIns="0" anchor="ctr" anchorCtr="0">
+            <a:noAutofit/>
+          </a:bodyPr>
+          <a:lstStyle/>
+          <a:p>
+            <a:pPr marL="0" lvl="0" indent="0" algn="r" rtl="0">
+              <a:spcBef>
+                <a:spcPts val="0"/>
+              </a:spcBef>
+              <a:spcAft>
+                <a:spcPts val="0"/>
+              </a:spcAft>
+              <a:buNone/>
+            </a:pPr>
+            <a:fld id="{00000000-1234-1234-1234-123412341234}" type="slidenum">
+              <a:rPr lang="en"/>
+              <a:t>2</a:t>
+            </a:fld>
+            <a:endParaRPr/>
           </a:p>
         </p:txBody>
       </p:sp>
@@ -4902,6 +4900,396 @@
 <file path=ppt/slides/slide3.xml><?xml version="1.0" encoding="utf-8"?>
 <p:sld xmlns:a="http://schemas.openxmlformats.org/drawingml/2006/main" xmlns:r="http://schemas.openxmlformats.org/officeDocument/2006/relationships" xmlns:p="http://schemas.openxmlformats.org/presentationml/2006/main">
   <p:cSld>
+    <p:spTree>
+      <p:nvGrpSpPr>
+        <p:cNvPr id="1" name=""/>
+        <p:cNvGrpSpPr/>
+        <p:nvPr/>
+      </p:nvGrpSpPr>
+      <p:grpSpPr>
+        <a:xfrm>
+          <a:off x="0" y="0"/>
+          <a:ext cx="0" cy="0"/>
+          <a:chOff x="0" y="0"/>
+          <a:chExt cx="0" cy="0"/>
+        </a:xfrm>
+      </p:grpSpPr>
+      <p:sp>
+        <p:nvSpPr>
+          <p:cNvPr id="2" name="Título 1">
+            <a:extLst>
+              <a:ext uri="{FF2B5EF4-FFF2-40B4-BE49-F238E27FC236}">
+                <a16:creationId xmlns:a16="http://schemas.microsoft.com/office/drawing/2014/main" id="{3D2F01EA-11C8-49EE-B920-31123C231E94}"/>
+              </a:ext>
+            </a:extLst>
+          </p:cNvPr>
+          <p:cNvSpPr>
+            <a:spLocks noGrp="1"/>
+          </p:cNvSpPr>
+          <p:nvPr>
+            <p:ph type="title"/>
+          </p:nvPr>
+        </p:nvSpPr>
+        <p:spPr/>
+        <p:txBody>
+          <a:bodyPr/>
+          <a:lstStyle/>
+          <a:p>
+            <a:r>
+              <a:rPr lang="pt-BR" sz="2400" dirty="0"/>
+              <a:t>Como vamos levantar fundos para o projeto?</a:t>
+            </a:r>
+          </a:p>
+        </p:txBody>
+      </p:sp>
+      <p:sp>
+        <p:nvSpPr>
+          <p:cNvPr id="3" name="Espaço Reservado para Texto 2">
+            <a:extLst>
+              <a:ext uri="{FF2B5EF4-FFF2-40B4-BE49-F238E27FC236}">
+                <a16:creationId xmlns:a16="http://schemas.microsoft.com/office/drawing/2014/main" id="{D231FB7B-03B9-4940-A0BF-C263FF8EC114}"/>
+              </a:ext>
+            </a:extLst>
+          </p:cNvPr>
+          <p:cNvSpPr>
+            <a:spLocks noGrp="1"/>
+          </p:cNvSpPr>
+          <p:nvPr>
+            <p:ph type="body" idx="1"/>
+          </p:nvPr>
+        </p:nvSpPr>
+        <p:spPr>
+          <a:xfrm>
+            <a:off x="516599" y="1725428"/>
+            <a:ext cx="4532771" cy="1226201"/>
+          </a:xfrm>
+        </p:spPr>
+        <p:txBody>
+          <a:bodyPr/>
+          <a:lstStyle/>
+          <a:p>
+            <a:r>
+              <a:rPr lang="pt-BR" dirty="0"/>
+              <a:t>Através  de parcerias  de publicidade com</a:t>
+            </a:r>
+          </a:p>
+          <a:p>
+            <a:pPr marL="127000" indent="0">
+              <a:buNone/>
+            </a:pPr>
+            <a:r>
+              <a:rPr lang="pt-BR" dirty="0"/>
+              <a:t>as empresas interessadas no nicho, como por exemplo: Faculdades, Cursos técnicos, Cursos de inglês e etc...  </a:t>
+            </a:r>
+          </a:p>
+        </p:txBody>
+      </p:sp>
+      <p:sp>
+        <p:nvSpPr>
+          <p:cNvPr id="6" name="Espaço Reservado para Número de Slide 5">
+            <a:extLst>
+              <a:ext uri="{FF2B5EF4-FFF2-40B4-BE49-F238E27FC236}">
+                <a16:creationId xmlns:a16="http://schemas.microsoft.com/office/drawing/2014/main" id="{6E75F283-DC99-4613-AD43-489C8489DB66}"/>
+              </a:ext>
+            </a:extLst>
+          </p:cNvPr>
+          <p:cNvSpPr>
+            <a:spLocks noGrp="1"/>
+          </p:cNvSpPr>
+          <p:nvPr>
+            <p:ph type="sldNum" idx="12"/>
+          </p:nvPr>
+        </p:nvSpPr>
+        <p:spPr/>
+        <p:txBody>
+          <a:bodyPr/>
+          <a:lstStyle/>
+          <a:p>
+            <a:pPr marL="0" lvl="0" indent="0" algn="r" rtl="0">
+              <a:spcBef>
+                <a:spcPts val="0"/>
+              </a:spcBef>
+              <a:spcAft>
+                <a:spcPts val="0"/>
+              </a:spcAft>
+              <a:buNone/>
+            </a:pPr>
+            <a:fld id="{00000000-1234-1234-1234-123412341234}" type="slidenum">
+              <a:rPr lang="pt-BR" smtClean="0"/>
+              <a:t>3</a:t>
+            </a:fld>
+            <a:endParaRPr lang="pt-BR"/>
+          </a:p>
+        </p:txBody>
+      </p:sp>
+      <p:pic>
+        <p:nvPicPr>
+          <p:cNvPr id="8" name="Imagem 7">
+            <a:extLst>
+              <a:ext uri="{FF2B5EF4-FFF2-40B4-BE49-F238E27FC236}">
+                <a16:creationId xmlns:a16="http://schemas.microsoft.com/office/drawing/2014/main" id="{B88BE56B-2E82-4579-BCB7-7AC5BC7A338B}"/>
+              </a:ext>
+            </a:extLst>
+          </p:cNvPr>
+          <p:cNvPicPr>
+            <a:picLocks noChangeAspect="1"/>
+          </p:cNvPicPr>
+          <p:nvPr/>
+        </p:nvPicPr>
+        <p:blipFill>
+          <a:blip r:embed="rId2"/>
+          <a:stretch>
+            <a:fillRect/>
+          </a:stretch>
+        </p:blipFill>
+        <p:spPr>
+          <a:xfrm>
+            <a:off x="5349746" y="1769714"/>
+            <a:ext cx="3436091" cy="2886240"/>
+          </a:xfrm>
+          <a:prstGeom prst="rect">
+            <a:avLst/>
+          </a:prstGeom>
+        </p:spPr>
+      </p:pic>
+      <p:sp>
+        <p:nvSpPr>
+          <p:cNvPr id="9" name="Google Shape;74;p13">
+            <a:extLst>
+              <a:ext uri="{FF2B5EF4-FFF2-40B4-BE49-F238E27FC236}">
+                <a16:creationId xmlns:a16="http://schemas.microsoft.com/office/drawing/2014/main" id="{161A7BD5-BC1C-4A2F-8B74-519047237A6C}"/>
+              </a:ext>
+            </a:extLst>
+          </p:cNvPr>
+          <p:cNvSpPr/>
+          <p:nvPr/>
+        </p:nvSpPr>
+        <p:spPr>
+          <a:xfrm>
+            <a:off x="7325920" y="538333"/>
+            <a:ext cx="1137488" cy="1137486"/>
+          </a:xfrm>
+          <a:custGeom>
+            <a:avLst/>
+            <a:gdLst/>
+            <a:ahLst/>
+            <a:cxnLst/>
+            <a:rect l="l" t="t" r="r" b="b"/>
+            <a:pathLst>
+              <a:path w="2274977" h="2274971" extrusionOk="0">
+                <a:moveTo>
+                  <a:pt x="2274977" y="1013036"/>
+                </a:moveTo>
+                <a:lnTo>
+                  <a:pt x="2274977" y="1013036"/>
+                </a:lnTo>
+                <a:lnTo>
+                  <a:pt x="2274977" y="0"/>
+                </a:lnTo>
+                <a:lnTo>
+                  <a:pt x="2274977" y="0"/>
+                </a:lnTo>
+                <a:cubicBezTo>
+                  <a:pt x="1018536" y="0"/>
+                  <a:pt x="0" y="1018530"/>
+                  <a:pt x="0" y="2274971"/>
+                </a:cubicBezTo>
+                <a:lnTo>
+                  <a:pt x="1013047" y="2274971"/>
+                </a:lnTo>
+                <a:cubicBezTo>
+                  <a:pt x="1013047" y="1578027"/>
+                  <a:pt x="1578038" y="1013036"/>
+                  <a:pt x="2274977" y="1013036"/>
+                </a:cubicBezTo>
+                <a:close/>
+              </a:path>
+            </a:pathLst>
+          </a:custGeom>
+          <a:solidFill>
+            <a:schemeClr val="accent1"/>
+          </a:solidFill>
+          <a:ln>
+            <a:noFill/>
+          </a:ln>
+        </p:spPr>
+        <p:txBody>
+          <a:bodyPr spcFirstLastPara="1" wrap="square" lIns="45725" tIns="22850" rIns="45725" bIns="22850" anchor="ctr" anchorCtr="0">
+            <a:noAutofit/>
+          </a:bodyPr>
+          <a:lstStyle/>
+          <a:p>
+            <a:pPr marL="0" marR="0" lvl="0" indent="0" algn="l" rtl="0">
+              <a:spcBef>
+                <a:spcPts val="0"/>
+              </a:spcBef>
+              <a:spcAft>
+                <a:spcPts val="0"/>
+              </a:spcAft>
+              <a:buNone/>
+            </a:pPr>
+            <a:endParaRPr sz="900">
+              <a:solidFill>
+                <a:schemeClr val="dk1"/>
+              </a:solidFill>
+              <a:latin typeface="Calibri"/>
+              <a:ea typeface="Calibri"/>
+              <a:cs typeface="Calibri"/>
+              <a:sym typeface="Calibri"/>
+            </a:endParaRPr>
+          </a:p>
+        </p:txBody>
+      </p:sp>
+      <p:sp>
+        <p:nvSpPr>
+          <p:cNvPr id="10" name="Google Shape;75;p13">
+            <a:extLst>
+              <a:ext uri="{FF2B5EF4-FFF2-40B4-BE49-F238E27FC236}">
+                <a16:creationId xmlns:a16="http://schemas.microsoft.com/office/drawing/2014/main" id="{9FACF735-FD54-4AE6-BDFE-E69852241419}"/>
+              </a:ext>
+            </a:extLst>
+          </p:cNvPr>
+          <p:cNvSpPr/>
+          <p:nvPr/>
+        </p:nvSpPr>
+        <p:spPr>
+          <a:xfrm>
+            <a:off x="6772835" y="682163"/>
+            <a:ext cx="1106170" cy="276543"/>
+          </a:xfrm>
+          <a:custGeom>
+            <a:avLst/>
+            <a:gdLst/>
+            <a:ahLst/>
+            <a:cxnLst/>
+            <a:rect l="l" t="t" r="r" b="b"/>
+            <a:pathLst>
+              <a:path w="2212339" h="553085" extrusionOk="0">
+                <a:moveTo>
+                  <a:pt x="276542" y="0"/>
+                </a:moveTo>
+                <a:cubicBezTo>
+                  <a:pt x="123753" y="0"/>
+                  <a:pt x="0" y="123753"/>
+                  <a:pt x="0" y="276543"/>
+                </a:cubicBezTo>
+                <a:cubicBezTo>
+                  <a:pt x="0" y="429332"/>
+                  <a:pt x="123753" y="553085"/>
+                  <a:pt x="276542" y="553085"/>
+                </a:cubicBezTo>
+                <a:cubicBezTo>
+                  <a:pt x="429332" y="553085"/>
+                  <a:pt x="553085" y="429332"/>
+                  <a:pt x="553085" y="276543"/>
+                </a:cubicBezTo>
+                <a:cubicBezTo>
+                  <a:pt x="553085" y="123753"/>
+                  <a:pt x="429332" y="0"/>
+                  <a:pt x="276542" y="0"/>
+                </a:cubicBezTo>
+                <a:close/>
+                <a:moveTo>
+                  <a:pt x="1935797" y="0"/>
+                </a:moveTo>
+                <a:cubicBezTo>
+                  <a:pt x="1783007" y="0"/>
+                  <a:pt x="1659254" y="123753"/>
+                  <a:pt x="1659254" y="276543"/>
+                </a:cubicBezTo>
+                <a:cubicBezTo>
+                  <a:pt x="1659254" y="429332"/>
+                  <a:pt x="1783007" y="553085"/>
+                  <a:pt x="1935797" y="553085"/>
+                </a:cubicBezTo>
+                <a:cubicBezTo>
+                  <a:pt x="2088586" y="553085"/>
+                  <a:pt x="2212339" y="429332"/>
+                  <a:pt x="2212339" y="276543"/>
+                </a:cubicBezTo>
+                <a:cubicBezTo>
+                  <a:pt x="2212339" y="123753"/>
+                  <a:pt x="2088586" y="0"/>
+                  <a:pt x="1935797" y="0"/>
+                </a:cubicBezTo>
+                <a:close/>
+                <a:moveTo>
+                  <a:pt x="1106170" y="0"/>
+                </a:moveTo>
+                <a:cubicBezTo>
+                  <a:pt x="953380" y="0"/>
+                  <a:pt x="829627" y="123753"/>
+                  <a:pt x="829627" y="276543"/>
+                </a:cubicBezTo>
+                <a:cubicBezTo>
+                  <a:pt x="829627" y="429332"/>
+                  <a:pt x="953380" y="553085"/>
+                  <a:pt x="1106170" y="553085"/>
+                </a:cubicBezTo>
+                <a:cubicBezTo>
+                  <a:pt x="1258959" y="553085"/>
+                  <a:pt x="1382712" y="429332"/>
+                  <a:pt x="1382712" y="276543"/>
+                </a:cubicBezTo>
+                <a:cubicBezTo>
+                  <a:pt x="1382712" y="123753"/>
+                  <a:pt x="1258959" y="0"/>
+                  <a:pt x="1106170" y="0"/>
+                </a:cubicBezTo>
+                <a:close/>
+              </a:path>
+            </a:pathLst>
+          </a:custGeom>
+          <a:solidFill>
+            <a:schemeClr val="dk1"/>
+          </a:solidFill>
+          <a:ln>
+            <a:noFill/>
+          </a:ln>
+        </p:spPr>
+        <p:txBody>
+          <a:bodyPr spcFirstLastPara="1" wrap="square" lIns="45725" tIns="22850" rIns="45725" bIns="22850" anchor="ctr" anchorCtr="0">
+            <a:noAutofit/>
+          </a:bodyPr>
+          <a:lstStyle/>
+          <a:p>
+            <a:pPr marL="0" marR="0" lvl="0" indent="0" algn="l" rtl="0">
+              <a:spcBef>
+                <a:spcPts val="0"/>
+              </a:spcBef>
+              <a:spcAft>
+                <a:spcPts val="0"/>
+              </a:spcAft>
+              <a:buNone/>
+            </a:pPr>
+            <a:endParaRPr sz="900">
+              <a:solidFill>
+                <a:schemeClr val="dk1"/>
+              </a:solidFill>
+              <a:latin typeface="Calibri"/>
+              <a:ea typeface="Calibri"/>
+              <a:cs typeface="Calibri"/>
+              <a:sym typeface="Calibri"/>
+            </a:endParaRPr>
+          </a:p>
+        </p:txBody>
+      </p:sp>
+    </p:spTree>
+    <p:extLst>
+      <p:ext uri="{BB962C8B-B14F-4D97-AF65-F5344CB8AC3E}">
+        <p14:creationId xmlns:p14="http://schemas.microsoft.com/office/powerpoint/2010/main" val="3299751333"/>
+      </p:ext>
+    </p:extLst>
+  </p:cSld>
+  <p:clrMapOvr>
+    <a:masterClrMapping/>
+  </p:clrMapOvr>
+</p:sld>
+</file>
+
+<file path=ppt/slides/slide4.xml><?xml version="1.0" encoding="utf-8"?>
+<p:sld xmlns:a="http://schemas.openxmlformats.org/drawingml/2006/main" xmlns:r="http://schemas.openxmlformats.org/officeDocument/2006/relationships" xmlns:p="http://schemas.openxmlformats.org/presentationml/2006/main">
+  <p:cSld>
     <p:bg>
       <p:bgPr>
         <a:solidFill>
@@ -4926,6 +5314,51 @@
       </p:grpSpPr>
       <p:sp>
         <p:nvSpPr>
+          <p:cNvPr id="81" name="Google Shape;81;p14"/>
+          <p:cNvSpPr txBox="1">
+            <a:spLocks noGrp="1"/>
+          </p:cNvSpPr>
+          <p:nvPr>
+            <p:ph type="body" idx="1"/>
+          </p:nvPr>
+        </p:nvSpPr>
+        <p:spPr>
+          <a:xfrm>
+            <a:off x="465517" y="1407318"/>
+            <a:ext cx="4677982" cy="1557337"/>
+          </a:xfrm>
+          <a:prstGeom prst="rect">
+            <a:avLst/>
+          </a:prstGeom>
+        </p:spPr>
+        <p:txBody>
+          <a:bodyPr spcFirstLastPara="1" wrap="square" lIns="0" tIns="0" rIns="0" bIns="0" anchor="b" anchorCtr="0">
+            <a:noAutofit/>
+          </a:bodyPr>
+          <a:lstStyle/>
+          <a:p>
+            <a:pPr marL="0" lvl="0" indent="0" algn="l" rtl="0">
+              <a:spcBef>
+                <a:spcPts val="0"/>
+              </a:spcBef>
+              <a:spcAft>
+                <a:spcPts val="800"/>
+              </a:spcAft>
+              <a:buNone/>
+            </a:pPr>
+            <a:r>
+              <a:rPr lang="pt-BR" sz="4000" dirty="0"/>
+              <a:t>Nosso modelo de inovação</a:t>
+            </a:r>
+            <a:br>
+              <a:rPr lang="en" sz="5400" dirty="0"/>
+            </a:br>
+            <a:endParaRPr sz="5400" dirty="0"/>
+          </a:p>
+        </p:txBody>
+      </p:sp>
+      <p:sp>
+        <p:nvSpPr>
           <p:cNvPr id="80" name="Google Shape;80;p14"/>
           <p:cNvSpPr txBox="1">
             <a:spLocks noGrp="1"/>
@@ -4935,10 +5368,6 @@
           </p:nvPr>
         </p:nvSpPr>
         <p:spPr>
-          <a:xfrm>
-            <a:off x="8376075" y="4749850"/>
-            <a:ext cx="548700" cy="181800"/>
-          </a:xfrm>
           <a:prstGeom prst="rect">
             <a:avLst/>
           </a:prstGeom>
@@ -4960,7 +5389,7 @@
             </a:pPr>
             <a:fld id="{00000000-1234-1234-1234-123412341234}" type="slidenum">
               <a:rPr lang="en"/>
-              <a:t>3</a:t>
+              <a:t>4</a:t>
             </a:fld>
             <a:endParaRPr/>
           </a:p>
@@ -4998,51 +5427,6 @@
       </p:pic>
       <p:sp>
         <p:nvSpPr>
-          <p:cNvPr id="81" name="Google Shape;81;p14"/>
-          <p:cNvSpPr txBox="1">
-            <a:spLocks noGrp="1"/>
-          </p:cNvSpPr>
-          <p:nvPr>
-            <p:ph type="body" idx="1"/>
-          </p:nvPr>
-        </p:nvSpPr>
-        <p:spPr>
-          <a:xfrm>
-            <a:off x="465517" y="1407318"/>
-            <a:ext cx="4677982" cy="1557337"/>
-          </a:xfrm>
-          <a:prstGeom prst="rect">
-            <a:avLst/>
-          </a:prstGeom>
-        </p:spPr>
-        <p:txBody>
-          <a:bodyPr spcFirstLastPara="1" wrap="square" lIns="0" tIns="0" rIns="0" bIns="0" anchor="b" anchorCtr="0">
-            <a:noAutofit/>
-          </a:bodyPr>
-          <a:lstStyle/>
-          <a:p>
-            <a:pPr marL="0" lvl="0" indent="0" algn="l" rtl="0">
-              <a:spcBef>
-                <a:spcPts val="0"/>
-              </a:spcBef>
-              <a:spcAft>
-                <a:spcPts val="800"/>
-              </a:spcAft>
-              <a:buNone/>
-            </a:pPr>
-            <a:r>
-              <a:rPr lang="pt-BR" sz="4000" dirty="0"/>
-              <a:t>Nosso modelo de inovação</a:t>
-            </a:r>
-            <a:br>
-              <a:rPr lang="en" sz="5400" dirty="0"/>
-            </a:br>
-            <a:endParaRPr sz="5400" dirty="0"/>
-          </a:p>
-        </p:txBody>
-      </p:sp>
-      <p:sp>
-        <p:nvSpPr>
           <p:cNvPr id="6" name="Google Shape;73;p13">
             <a:extLst>
               <a:ext uri="{FF2B5EF4-FFF2-40B4-BE49-F238E27FC236}">
@@ -5346,7 +5730,7 @@
 </p:sld>
 </file>
 
-<file path=ppt/slides/slide4.xml><?xml version="1.0" encoding="utf-8"?>
+<file path=ppt/slides/slide5.xml><?xml version="1.0" encoding="utf-8"?>
 <p:sld xmlns:a="http://schemas.openxmlformats.org/drawingml/2006/main" xmlns:r="http://schemas.openxmlformats.org/officeDocument/2006/relationships" xmlns:p="http://schemas.openxmlformats.org/presentationml/2006/main">
   <p:cSld>
     <p:spTree>
@@ -5403,10 +5787,6 @@
           </p:nvPr>
         </p:nvSpPr>
         <p:spPr>
-          <a:xfrm>
-            <a:off x="516600" y="514350"/>
-            <a:ext cx="6480000" cy="717900"/>
-          </a:xfrm>
           <a:prstGeom prst="rect">
             <a:avLst/>
           </a:prstGeom>
@@ -5445,54 +5825,12 @@
       </p:sp>
       <p:sp>
         <p:nvSpPr>
-          <p:cNvPr id="69" name="Google Shape;69;p13"/>
-          <p:cNvSpPr txBox="1">
-            <a:spLocks noGrp="1"/>
-          </p:cNvSpPr>
-          <p:nvPr>
-            <p:ph type="sldNum" idx="12"/>
-          </p:nvPr>
-        </p:nvSpPr>
-        <p:spPr>
-          <a:xfrm>
-            <a:off x="8376075" y="4749850"/>
-            <a:ext cx="548700" cy="181800"/>
-          </a:xfrm>
-          <a:prstGeom prst="rect">
-            <a:avLst/>
-          </a:prstGeom>
-        </p:spPr>
-        <p:txBody>
-          <a:bodyPr spcFirstLastPara="1" wrap="square" lIns="0" tIns="0" rIns="0" bIns="0" anchor="ctr" anchorCtr="0">
-            <a:noAutofit/>
-          </a:bodyPr>
-          <a:lstStyle/>
-          <a:p>
-            <a:pPr marL="0" lvl="0" indent="0" algn="r" rtl="0">
-              <a:spcBef>
-                <a:spcPts val="0"/>
-              </a:spcBef>
-              <a:spcAft>
-                <a:spcPts val="0"/>
-              </a:spcAft>
-              <a:buNone/>
-            </a:pPr>
-            <a:fld id="{00000000-1234-1234-1234-123412341234}" type="slidenum">
-              <a:rPr lang="en"/>
-              <a:t>4</a:t>
-            </a:fld>
-            <a:endParaRPr/>
-          </a:p>
-        </p:txBody>
-      </p:sp>
-      <p:sp>
-        <p:nvSpPr>
           <p:cNvPr id="73" name="Google Shape;73;p13"/>
           <p:cNvSpPr txBox="1">
             <a:spLocks noGrp="1"/>
           </p:cNvSpPr>
           <p:nvPr>
-            <p:ph type="body" idx="2"/>
+            <p:ph type="body" idx="1"/>
           </p:nvPr>
         </p:nvSpPr>
         <p:spPr>
@@ -5573,13 +5911,51 @@
       </p:sp>
       <p:sp>
         <p:nvSpPr>
+          <p:cNvPr id="69" name="Google Shape;69;p13"/>
+          <p:cNvSpPr txBox="1">
+            <a:spLocks noGrp="1"/>
+          </p:cNvSpPr>
+          <p:nvPr>
+            <p:ph type="sldNum" idx="12"/>
+          </p:nvPr>
+        </p:nvSpPr>
+        <p:spPr>
+          <a:prstGeom prst="rect">
+            <a:avLst/>
+          </a:prstGeom>
+        </p:spPr>
+        <p:txBody>
+          <a:bodyPr spcFirstLastPara="1" wrap="square" lIns="0" tIns="0" rIns="0" bIns="0" anchor="ctr" anchorCtr="0">
+            <a:noAutofit/>
+          </a:bodyPr>
+          <a:lstStyle/>
+          <a:p>
+            <a:pPr marL="0" lvl="0" indent="0" algn="r" rtl="0">
+              <a:spcBef>
+                <a:spcPts val="0"/>
+              </a:spcBef>
+              <a:spcAft>
+                <a:spcPts val="0"/>
+              </a:spcAft>
+              <a:buNone/>
+            </a:pPr>
+            <a:fld id="{00000000-1234-1234-1234-123412341234}" type="slidenum">
+              <a:rPr lang="en"/>
+              <a:t>5</a:t>
+            </a:fld>
+            <a:endParaRPr/>
+          </a:p>
+        </p:txBody>
+      </p:sp>
+      <p:sp>
+        <p:nvSpPr>
           <p:cNvPr id="74" name="Google Shape;74;p13"/>
           <p:cNvSpPr/>
           <p:nvPr/>
         </p:nvSpPr>
         <p:spPr>
           <a:xfrm>
-            <a:off x="7055167" y="946305"/>
+            <a:off x="7049284" y="966837"/>
             <a:ext cx="1137488" cy="1137486"/>
           </a:xfrm>
           <a:custGeom>

--- a/apresentação.pptx
+++ b/apresentação.pptx
@@ -4969,18 +4969,28 @@
           <a:lstStyle/>
           <a:p>
             <a:r>
-              <a:rPr lang="pt-BR" dirty="0"/>
-              <a:t>Através  de parcerias  de publicidade com</a:t>
+              <a:rPr lang="pt-BR" sz="1800" dirty="0">
+                <a:latin typeface="Calibri" panose="020F0502020204030204" pitchFamily="34" charset="0"/>
+                <a:cs typeface="Calibri" panose="020F0502020204030204" pitchFamily="34" charset="0"/>
+              </a:rPr>
+              <a:t>Através de parcerias de publicidade com as empresas interessadas no nicho, como por exemplo: Faculdades, Cursos técnicos, Cursos de inglês e etc...</a:t>
+            </a:r>
+            <a:r>
+              <a:rPr lang="pt-BR" sz="1800" dirty="0"/>
+              <a:t> </a:t>
             </a:r>
           </a:p>
           <a:p>
-            <a:pPr marL="127000" indent="0">
-              <a:buNone/>
-            </a:pPr>
-            <a:r>
-              <a:rPr lang="pt-BR" dirty="0"/>
-              <a:t>as empresas interessadas no nicho, como por exemplo: Faculdades, Cursos técnicos, Cursos de inglês e etc...  </a:t>
-            </a:r>
+            <a:endParaRPr lang="pt-BR" dirty="0">
+              <a:latin typeface="Calibri" panose="020F0502020204030204" pitchFamily="34" charset="0"/>
+              <a:cs typeface="Calibri" panose="020F0502020204030204" pitchFamily="34" charset="0"/>
+            </a:endParaRPr>
+          </a:p>
+          <a:p>
+            <a:endParaRPr lang="pt-BR" dirty="0">
+              <a:latin typeface="Calibri" panose="020F0502020204030204" pitchFamily="34" charset="0"/>
+              <a:cs typeface="Calibri" panose="020F0502020204030204" pitchFamily="34" charset="0"/>
+            </a:endParaRPr>
           </a:p>
         </p:txBody>
       </p:sp>
@@ -5347,8 +5357,12 @@
               <a:buNone/>
             </a:pPr>
             <a:r>
+              <a:rPr lang="pt-BR" sz="4000" dirty="0" err="1"/>
+              <a:t>Nosnosso</a:t>
+            </a:r>
+            <a:r>
               <a:rPr lang="pt-BR" sz="4000" dirty="0"/>
-              <a:t>Nosso modelo de inovação</a:t>
+              <a:t> modelo de inovação</a:t>
             </a:r>
             <a:br>
               <a:rPr lang="en" sz="5400" dirty="0"/>
@@ -5417,7 +5431,7 @@
         </p:blipFill>
         <p:spPr>
           <a:xfrm>
-            <a:off x="203303" y="195633"/>
+            <a:off x="82279" y="121675"/>
             <a:ext cx="1265030" cy="1211685"/>
           </a:xfrm>
           <a:prstGeom prst="rect">
@@ -5768,7 +5782,7 @@
         </p:blipFill>
         <p:spPr>
           <a:xfrm>
-            <a:off x="5734049" y="1838910"/>
+            <a:off x="5654931" y="2309557"/>
             <a:ext cx="2788705" cy="2180841"/>
           </a:xfrm>
           <a:prstGeom prst="rect">
